--- a/images.pptx
+++ b/images.pptx
@@ -7855,6 +7855,50 @@
           </a:fontRef>
         </p:style>
       </p:cxnSp>
+      <p:sp>
+        <p:nvSpPr>
+          <p:cNvPr id="2" name="Cylinder 1">
+            <a:extLst>
+              <a:ext uri="{FF2B5EF4-FFF2-40B4-BE49-F238E27FC236}">
+                <a16:creationId xmlns:a16="http://schemas.microsoft.com/office/drawing/2014/main" id="{DC400AB3-94C6-423B-9BCB-5C03668A5778}"/>
+              </a:ext>
+            </a:extLst>
+          </p:cNvPr>
+          <p:cNvSpPr/>
+          <p:nvPr/>
+        </p:nvSpPr>
+        <p:spPr>
+          <a:xfrm>
+            <a:off x="6038266" y="5131304"/>
+            <a:ext cx="1052945" cy="1182253"/>
+          </a:xfrm>
+          <a:prstGeom prst="can">
+            <a:avLst/>
+          </a:prstGeom>
+        </p:spPr>
+        <p:style>
+          <a:lnRef idx="1">
+            <a:schemeClr val="accent3"/>
+          </a:lnRef>
+          <a:fillRef idx="3">
+            <a:schemeClr val="accent3"/>
+          </a:fillRef>
+          <a:effectRef idx="2">
+            <a:schemeClr val="accent3"/>
+          </a:effectRef>
+          <a:fontRef idx="minor">
+            <a:schemeClr val="lt1"/>
+          </a:fontRef>
+        </p:style>
+        <p:txBody>
+          <a:bodyPr rtlCol="0" anchor="ctr"/>
+          <a:lstStyle/>
+          <a:p>
+            <a:pPr algn="ctr"/>
+            <a:endParaRPr lang="en-GB"/>
+          </a:p>
+        </p:txBody>
+      </p:sp>
     </p:spTree>
     <p:extLst>
       <p:ext uri="{BB962C8B-B14F-4D97-AF65-F5344CB8AC3E}">
